--- a/Problem Statement 2/2.2_Stack_Queue_Heap.pptx
+++ b/Problem Statement 2/2.2_Stack_Queue_Heap.pptx
@@ -2983,7 +2983,7 @@
           <a:p>
             <a:fld id="{180A5B73-42DF-4DEC-A557-C03F3D90FD40}" type="datetimeFigureOut">
               <a:rPr lang="en-IN" smtClean="0"/>
-              <a:t>24-07-2021</a:t>
+              <a:t>25-07-2021</a:t>
             </a:fld>
             <a:endParaRPr lang="en-IN"/>
           </a:p>
@@ -3153,7 +3153,7 @@
           <a:p>
             <a:fld id="{180A5B73-42DF-4DEC-A557-C03F3D90FD40}" type="datetimeFigureOut">
               <a:rPr lang="en-IN" smtClean="0"/>
-              <a:t>24-07-2021</a:t>
+              <a:t>25-07-2021</a:t>
             </a:fld>
             <a:endParaRPr lang="en-IN"/>
           </a:p>
@@ -3333,7 +3333,7 @@
           <a:p>
             <a:fld id="{180A5B73-42DF-4DEC-A557-C03F3D90FD40}" type="datetimeFigureOut">
               <a:rPr lang="en-IN" smtClean="0"/>
-              <a:t>24-07-2021</a:t>
+              <a:t>25-07-2021</a:t>
             </a:fld>
             <a:endParaRPr lang="en-IN"/>
           </a:p>
@@ -3503,7 +3503,7 @@
           <a:p>
             <a:fld id="{180A5B73-42DF-4DEC-A557-C03F3D90FD40}" type="datetimeFigureOut">
               <a:rPr lang="en-IN" smtClean="0"/>
-              <a:t>24-07-2021</a:t>
+              <a:t>25-07-2021</a:t>
             </a:fld>
             <a:endParaRPr lang="en-IN"/>
           </a:p>
@@ -3749,7 +3749,7 @@
           <a:p>
             <a:fld id="{180A5B73-42DF-4DEC-A557-C03F3D90FD40}" type="datetimeFigureOut">
               <a:rPr lang="en-IN" smtClean="0"/>
-              <a:t>24-07-2021</a:t>
+              <a:t>25-07-2021</a:t>
             </a:fld>
             <a:endParaRPr lang="en-IN"/>
           </a:p>
@@ -3981,7 +3981,7 @@
           <a:p>
             <a:fld id="{180A5B73-42DF-4DEC-A557-C03F3D90FD40}" type="datetimeFigureOut">
               <a:rPr lang="en-IN" smtClean="0"/>
-              <a:t>24-07-2021</a:t>
+              <a:t>25-07-2021</a:t>
             </a:fld>
             <a:endParaRPr lang="en-IN"/>
           </a:p>
@@ -4348,7 +4348,7 @@
           <a:p>
             <a:fld id="{180A5B73-42DF-4DEC-A557-C03F3D90FD40}" type="datetimeFigureOut">
               <a:rPr lang="en-IN" smtClean="0"/>
-              <a:t>24-07-2021</a:t>
+              <a:t>25-07-2021</a:t>
             </a:fld>
             <a:endParaRPr lang="en-IN"/>
           </a:p>
@@ -4466,7 +4466,7 @@
           <a:p>
             <a:fld id="{180A5B73-42DF-4DEC-A557-C03F3D90FD40}" type="datetimeFigureOut">
               <a:rPr lang="en-IN" smtClean="0"/>
-              <a:t>24-07-2021</a:t>
+              <a:t>25-07-2021</a:t>
             </a:fld>
             <a:endParaRPr lang="en-IN"/>
           </a:p>
@@ -4561,7 +4561,7 @@
           <a:p>
             <a:fld id="{180A5B73-42DF-4DEC-A557-C03F3D90FD40}" type="datetimeFigureOut">
               <a:rPr lang="en-IN" smtClean="0"/>
-              <a:t>24-07-2021</a:t>
+              <a:t>25-07-2021</a:t>
             </a:fld>
             <a:endParaRPr lang="en-IN"/>
           </a:p>
@@ -4838,7 +4838,7 @@
           <a:p>
             <a:fld id="{180A5B73-42DF-4DEC-A557-C03F3D90FD40}" type="datetimeFigureOut">
               <a:rPr lang="en-IN" smtClean="0"/>
-              <a:t>24-07-2021</a:t>
+              <a:t>25-07-2021</a:t>
             </a:fld>
             <a:endParaRPr lang="en-IN"/>
           </a:p>
@@ -5091,7 +5091,7 @@
           <a:p>
             <a:fld id="{180A5B73-42DF-4DEC-A557-C03F3D90FD40}" type="datetimeFigureOut">
               <a:rPr lang="en-IN" smtClean="0"/>
-              <a:t>24-07-2021</a:t>
+              <a:t>25-07-2021</a:t>
             </a:fld>
             <a:endParaRPr lang="en-IN"/>
           </a:p>
@@ -5304,7 +5304,7 @@
           <a:p>
             <a:fld id="{180A5B73-42DF-4DEC-A557-C03F3D90FD40}" type="datetimeFigureOut">
               <a:rPr lang="en-IN" smtClean="0"/>
-              <a:t>24-07-2021</a:t>
+              <a:t>25-07-2021</a:t>
             </a:fld>
             <a:endParaRPr lang="en-IN"/>
           </a:p>
@@ -5740,7 +5740,16 @@
                 </a:solidFill>
                 <a:latin typeface="Algerian" panose="04020705040A02060702" pitchFamily="82" charset="0"/>
               </a:rPr>
-              <a:t>Frontend Skill Test</a:t>
+              <a:t>STACK QUEUE AND HEAP </a:t>
+            </a:r>
+            <a:r>
+              <a:rPr lang="en-US" dirty="0" smtClean="0">
+                <a:solidFill>
+                  <a:srgbClr val="00B0F0"/>
+                </a:solidFill>
+                <a:latin typeface="Algerian" panose="04020705040A02060702" pitchFamily="82" charset="0"/>
+              </a:rPr>
+              <a:t>Test</a:t>
             </a:r>
             <a:endParaRPr lang="en-IN" dirty="0">
               <a:solidFill>
@@ -6005,40 +6014,7 @@
                 </a:solidFill>
                 <a:latin typeface="Bahnschrift Light SemiCondensed" panose="020B0502040204020203" pitchFamily="34" charset="0"/>
               </a:rPr>
-              <a:t>Multiple choice questions covering a range of topics </a:t>
-            </a:r>
-            <a:r>
-              <a:rPr lang="en-US" dirty="0" smtClean="0">
-                <a:solidFill>
-                  <a:schemeClr val="accent5">
-                    <a:lumMod val="75000"/>
-                  </a:schemeClr>
-                </a:solidFill>
-                <a:latin typeface="Bahnschrift Light SemiCondensed" panose="020B0502040204020203" pitchFamily="34" charset="0"/>
-              </a:rPr>
-              <a:t>Stacks, Queues and Heaps</a:t>
-            </a:r>
-            <a:r>
-              <a:rPr lang="en-US" dirty="0" smtClean="0">
-                <a:solidFill>
-                  <a:schemeClr val="accent5">
-                    <a:lumMod val="75000"/>
-                  </a:schemeClr>
-                </a:solidFill>
-                <a:latin typeface="Bahnschrift Light SemiCondensed" panose="020B0502040204020203" pitchFamily="34" charset="0"/>
-              </a:rPr>
-              <a:t> </a:t>
-            </a:r>
-            <a:r>
-              <a:rPr lang="en-US" dirty="0" smtClean="0">
-                <a:solidFill>
-                  <a:schemeClr val="accent5">
-                    <a:lumMod val="75000"/>
-                  </a:schemeClr>
-                </a:solidFill>
-                <a:latin typeface="Bahnschrift Light SemiCondensed" panose="020B0502040204020203" pitchFamily="34" charset="0"/>
-              </a:rPr>
-              <a:t>are proven methods to analyze the depth and broadness of the knowledge possessed by a candidate.</a:t>
+              <a:t>Multiple choice questions covering a range of topics Stacks, Queues and Heaps are proven methods to analyze the depth and broadness of the knowledge possessed by a candidate.</a:t>
             </a:r>
             <a:endParaRPr lang="en-IN" dirty="0">
               <a:solidFill>
@@ -6155,8 +6131,13 @@
                 </a:solidFill>
                 <a:latin typeface="Bahnschrift Light SemiCondensed" panose="020B0502040204020203" pitchFamily="34" charset="0"/>
               </a:rPr>
-              <a:t>Subjective questions from topics like </a:t>
-            </a:r>
+              <a:t>Subjective questions from topics like Stacks, Queues and Heap can be asked  to a candidate.</a:t>
+            </a:r>
+          </a:p>
+          <a:p>
+            <a:pPr marL="0" indent="0">
+              <a:buNone/>
+            </a:pPr>
             <a:r>
               <a:rPr lang="en-US" dirty="0" smtClean="0">
                 <a:solidFill>
@@ -6166,56 +6147,7 @@
                 </a:solidFill>
                 <a:latin typeface="Bahnschrift Light SemiCondensed" panose="020B0502040204020203" pitchFamily="34" charset="0"/>
               </a:rPr>
-              <a:t>Stacks, Queues and Heap</a:t>
-            </a:r>
-            <a:r>
-              <a:rPr lang="en-US" dirty="0" smtClean="0">
-                <a:solidFill>
-                  <a:schemeClr val="accent5">
-                    <a:lumMod val="75000"/>
-                  </a:schemeClr>
-                </a:solidFill>
-                <a:latin typeface="Bahnschrift Light SemiCondensed" panose="020B0502040204020203" pitchFamily="34" charset="0"/>
-              </a:rPr>
-              <a:t> </a:t>
-            </a:r>
-            <a:r>
-              <a:rPr lang="en-US" dirty="0" smtClean="0">
-                <a:solidFill>
-                  <a:schemeClr val="accent5">
-                    <a:lumMod val="75000"/>
-                  </a:schemeClr>
-                </a:solidFill>
-                <a:latin typeface="Bahnschrift Light SemiCondensed" panose="020B0502040204020203" pitchFamily="34" charset="0"/>
-              </a:rPr>
-              <a:t>can be asked  to a candidate.</a:t>
-            </a:r>
-          </a:p>
-          <a:p>
-            <a:pPr marL="0" indent="0">
-              <a:buNone/>
-            </a:pPr>
-            <a:r>
-              <a:rPr lang="en-US" dirty="0" smtClean="0">
-                <a:solidFill>
-                  <a:schemeClr val="accent5">
-                    <a:lumMod val="75000"/>
-                  </a:schemeClr>
-                </a:solidFill>
-                <a:latin typeface="Bahnschrift Light SemiCondensed" panose="020B0502040204020203" pitchFamily="34" charset="0"/>
-              </a:rPr>
-              <a:t>Questions must cover </a:t>
-            </a:r>
-            <a:r>
-              <a:rPr lang="en-US" dirty="0" smtClean="0">
-                <a:solidFill>
-                  <a:schemeClr val="accent5">
-                    <a:lumMod val="75000"/>
-                  </a:schemeClr>
-                </a:solidFill>
-                <a:latin typeface="Bahnschrift Light SemiCondensed" panose="020B0502040204020203" pitchFamily="34" charset="0"/>
-              </a:rPr>
-              <a:t>topics like creation , insertion,  deletion, updating along with searching and soring.</a:t>
+              <a:t>Questions must cover topics like creation , insertion,  deletion, updating along with searching and soring.</a:t>
             </a:r>
             <a:endParaRPr lang="en-IN" dirty="0">
               <a:solidFill>
@@ -6341,84 +6273,7 @@
                 </a:solidFill>
                 <a:latin typeface="Bahnschrift Light SemiCondensed" panose="020B0502040204020203" pitchFamily="34" charset="0"/>
               </a:rPr>
-              <a:t>To test </a:t>
-            </a:r>
-            <a:r>
-              <a:rPr lang="en-US" dirty="0" smtClean="0">
-                <a:solidFill>
-                  <a:schemeClr val="accent5">
-                    <a:lumMod val="75000"/>
-                  </a:schemeClr>
-                </a:solidFill>
-                <a:latin typeface="Bahnschrift Light SemiCondensed" panose="020B0502040204020203" pitchFamily="34" charset="0"/>
-              </a:rPr>
-              <a:t>implementation</a:t>
-            </a:r>
-            <a:r>
-              <a:rPr lang="en-US" dirty="0" smtClean="0">
-                <a:solidFill>
-                  <a:schemeClr val="accent5">
-                    <a:lumMod val="75000"/>
-                  </a:schemeClr>
-                </a:solidFill>
-                <a:latin typeface="Bahnschrift Light SemiCondensed" panose="020B0502040204020203" pitchFamily="34" charset="0"/>
-              </a:rPr>
-              <a:t> </a:t>
-            </a:r>
-            <a:r>
-              <a:rPr lang="en-US" dirty="0" smtClean="0">
-                <a:solidFill>
-                  <a:schemeClr val="accent5">
-                    <a:lumMod val="75000"/>
-                  </a:schemeClr>
-                </a:solidFill>
-                <a:latin typeface="Bahnschrift Light SemiCondensed" panose="020B0502040204020203" pitchFamily="34" charset="0"/>
-              </a:rPr>
-              <a:t>skills of a candidate , the candidate may be provided with a </a:t>
-            </a:r>
-            <a:r>
-              <a:rPr lang="en-US" dirty="0" smtClean="0">
-                <a:solidFill>
-                  <a:schemeClr val="accent5">
-                    <a:lumMod val="75000"/>
-                  </a:schemeClr>
-                </a:solidFill>
-                <a:latin typeface="Bahnschrift Light SemiCondensed" panose="020B0502040204020203" pitchFamily="34" charset="0"/>
-              </a:rPr>
-              <a:t>real-life</a:t>
-            </a:r>
-            <a:r>
-              <a:rPr lang="en-US" dirty="0" smtClean="0">
-                <a:solidFill>
-                  <a:schemeClr val="accent5">
-                    <a:lumMod val="75000"/>
-                  </a:schemeClr>
-                </a:solidFill>
-                <a:latin typeface="Bahnschrift Light SemiCondensed" panose="020B0502040204020203" pitchFamily="34" charset="0"/>
-              </a:rPr>
-              <a:t> problem and </a:t>
-            </a:r>
-            <a:r>
-              <a:rPr lang="en-US" dirty="0" smtClean="0">
-                <a:solidFill>
-                  <a:schemeClr val="accent5">
-                    <a:lumMod val="75000"/>
-                  </a:schemeClr>
-                </a:solidFill>
-                <a:latin typeface="Bahnschrift Light SemiCondensed" panose="020B0502040204020203" pitchFamily="34" charset="0"/>
-              </a:rPr>
-              <a:t>can be asked to write a </a:t>
-            </a:r>
-            <a:r>
-              <a:rPr lang="en-US" dirty="0" smtClean="0">
-                <a:solidFill>
-                  <a:schemeClr val="accent5">
-                    <a:lumMod val="75000"/>
-                  </a:schemeClr>
-                </a:solidFill>
-                <a:latin typeface="Bahnschrift Light SemiCondensed" panose="020B0502040204020203" pitchFamily="34" charset="0"/>
-              </a:rPr>
-              <a:t>code to solve the problem using concerned.</a:t>
+              <a:t>To test implementation skills of a candidate , the candidate may be provided with a real-life problem and can be asked to write a code to solve the problem using concerned.</a:t>
             </a:r>
             <a:endParaRPr lang="en-IN" dirty="0">
               <a:solidFill>
